--- a/wiki/presentazione/APPROCCIO AL TESTING.pptx
+++ b/wiki/presentazione/APPROCCIO AL TESTING.pptx
@@ -126,7 +126,7 @@
   </p:defaultTextStyle>
   <p:extLst>
     <p:ext uri="{EFAFB233-063F-42B5-8137-9DF3F51BA10A}">
-      <p15:sldGuideLst xmlns:p15="http://schemas.microsoft.com/office/powerpoint/2012/main"/>
+      <p15:sldGuideLst xmlns:p15="http://schemas.microsoft.com/office/powerpoint/2012/main" xmlns=""/>
     </p:ext>
   </p:extLst>
 </p:presentation>
@@ -6589,12 +6589,12 @@
               <a:t>che permette di confrontare i </a:t>
             </a:r>
             <a:r>
-              <a:rPr lang="it-IT" dirty="0" err="1" smtClean="0"/>
-              <a:t>risultat</a:t>
-            </a:r>
-            <a:r>
               <a:rPr lang="it-IT" dirty="0" smtClean="0"/>
-              <a:t> ottenuti dai test con quelli attesi.</a:t>
+              <a:t>risultati </a:t>
+            </a:r>
+            <a:r>
+              <a:rPr lang="it-IT" dirty="0" smtClean="0"/>
+              <a:t>ottenuti dai test con quelli attesi.</a:t>
             </a:r>
             <a:endParaRPr lang="it-IT" dirty="0"/>
           </a:p>
@@ -7012,7 +7012,15 @@
             </a:r>
             <a:r>
               <a:rPr lang="it-IT" dirty="0" smtClean="0"/>
-              <a:t> INCIDENT-REPORT (TIR)</a:t>
+              <a:t> </a:t>
+            </a:r>
+            <a:r>
+              <a:rPr lang="it-IT" dirty="0" smtClean="0"/>
+              <a:t>Test INCIDENT-REPORT </a:t>
+            </a:r>
+            <a:r>
+              <a:rPr lang="it-IT" dirty="0" smtClean="0"/>
+              <a:t>(TIR)</a:t>
             </a:r>
           </a:p>
           <a:p>
@@ -10842,7 +10850,7 @@
     </a:clrScheme>
     <a:fontScheme name="Ione">
       <a:majorFont>
-        <a:latin typeface="Century Gothic" panose="020B0502020202020204"/>
+        <a:latin typeface="Century Gothic"/>
         <a:ea typeface=""/>
         <a:cs typeface=""/>
         <a:font script="Jpan" typeface="メイリオ"/>
@@ -10877,7 +10885,7 @@
         <a:font script="Geor" typeface="Sylfaen"/>
       </a:majorFont>
       <a:minorFont>
-        <a:latin typeface="Century Gothic" panose="020B0502020202020204"/>
+        <a:latin typeface="Century Gothic"/>
         <a:ea typeface=""/>
         <a:cs typeface=""/>
         <a:font script="Jpan" typeface="メイリオ"/>
@@ -11059,7 +11067,7 @@
   <a:extraClrSchemeLst/>
   <a:extLst>
     <a:ext uri="{05A4C25C-085E-4340-85A3-A5531E510DB2}">
-      <thm15:themeFamily xmlns:thm15="http://schemas.microsoft.com/office/thememl/2012/main" name="Ion" id="{B8441ADB-2E43-4AF7-B97A-BD870242C6A8}" vid="{292E63A9-BB86-4E3D-B92A-7223C6510D2E}"/>
+      <thm15:themeFamily xmlns:thm15="http://schemas.microsoft.com/office/thememl/2012/main" xmlns="" name="Ion" id="{B8441ADB-2E43-4AF7-B97A-BD870242C6A8}" vid="{292E63A9-BB86-4E3D-B92A-7223C6510D2E}"/>
     </a:ext>
   </a:extLst>
 </a:theme>
